--- a/Metodos_Estatisticos/slides/semana_1_a_2.pptx
+++ b/Metodos_Estatisticos/slides/semana_1_a_2.pptx
@@ -145,7 +145,7 @@
   <pc:docChgLst>
     <pc:chgData name="Renan Xavier Cortes" userId="d6af805853004405" providerId="LiveId" clId="{6CBA8CAD-390F-4A11-B907-BBB4B6E0B449}"/>
     <pc:docChg chg="undo custSel addSld delSld modSld">
-      <pc:chgData name="Renan Xavier Cortes" userId="d6af805853004405" providerId="LiveId" clId="{6CBA8CAD-390F-4A11-B907-BBB4B6E0B449}" dt="2026-01-21T20:54:01.600" v="2250" actId="1076"/>
+      <pc:chgData name="Renan Xavier Cortes" userId="d6af805853004405" providerId="LiveId" clId="{6CBA8CAD-390F-4A11-B907-BBB4B6E0B449}" dt="2026-01-21T21:00:53.358" v="2269"/>
       <pc:docMkLst>
         <pc:docMk/>
       </pc:docMkLst>
@@ -668,13 +668,13 @@
         </pc:picChg>
       </pc:sldChg>
       <pc:sldChg chg="addSp delSp modSp add mod addAnim delAnim modAnim">
-        <pc:chgData name="Renan Xavier Cortes" userId="d6af805853004405" providerId="LiveId" clId="{6CBA8CAD-390F-4A11-B907-BBB4B6E0B449}" dt="2026-01-21T19:15:21.145" v="1757" actId="14100"/>
+        <pc:chgData name="Renan Xavier Cortes" userId="d6af805853004405" providerId="LiveId" clId="{6CBA8CAD-390F-4A11-B907-BBB4B6E0B449}" dt="2026-01-21T20:59:32.449" v="2258" actId="1076"/>
         <pc:sldMkLst>
           <pc:docMk/>
           <pc:sldMk cId="4060517312" sldId="268"/>
         </pc:sldMkLst>
         <pc:spChg chg="add del mod">
-          <ac:chgData name="Renan Xavier Cortes" userId="d6af805853004405" providerId="LiveId" clId="{6CBA8CAD-390F-4A11-B907-BBB4B6E0B449}" dt="2026-01-21T19:15:21.145" v="1757" actId="14100"/>
+          <ac:chgData name="Renan Xavier Cortes" userId="d6af805853004405" providerId="LiveId" clId="{6CBA8CAD-390F-4A11-B907-BBB4B6E0B449}" dt="2026-01-21T20:59:28.978" v="2257" actId="1076"/>
           <ac:spMkLst>
             <pc:docMk/>
             <pc:sldMk cId="4060517312" sldId="268"/>
@@ -682,7 +682,7 @@
           </ac:spMkLst>
         </pc:spChg>
         <pc:spChg chg="mod">
-          <ac:chgData name="Renan Xavier Cortes" userId="d6af805853004405" providerId="LiveId" clId="{6CBA8CAD-390F-4A11-B907-BBB4B6E0B449}" dt="2026-01-21T18:20:17.110" v="1032" actId="1076"/>
+          <ac:chgData name="Renan Xavier Cortes" userId="d6af805853004405" providerId="LiveId" clId="{6CBA8CAD-390F-4A11-B907-BBB4B6E0B449}" dt="2026-01-21T20:59:32.449" v="2258" actId="1076"/>
           <ac:spMkLst>
             <pc:docMk/>
             <pc:sldMk cId="4060517312" sldId="268"/>
@@ -745,8 +745,8 @@
           </ac:picMkLst>
         </pc:picChg>
       </pc:sldChg>
-      <pc:sldChg chg="addSp delSp modSp add mod">
-        <pc:chgData name="Renan Xavier Cortes" userId="d6af805853004405" providerId="LiveId" clId="{6CBA8CAD-390F-4A11-B907-BBB4B6E0B449}" dt="2026-01-21T20:09:57.973" v="2038" actId="1076"/>
+      <pc:sldChg chg="addSp delSp modSp add mod modAnim">
+        <pc:chgData name="Renan Xavier Cortes" userId="d6af805853004405" providerId="LiveId" clId="{6CBA8CAD-390F-4A11-B907-BBB4B6E0B449}" dt="2026-01-21T21:00:27.912" v="2261"/>
         <pc:sldMkLst>
           <pc:docMk/>
           <pc:sldMk cId="1218368481" sldId="270"/>
@@ -800,8 +800,8 @@
           </ac:picMkLst>
         </pc:picChg>
       </pc:sldChg>
-      <pc:sldChg chg="addSp modSp add mod">
-        <pc:chgData name="Renan Xavier Cortes" userId="d6af805853004405" providerId="LiveId" clId="{6CBA8CAD-390F-4A11-B907-BBB4B6E0B449}" dt="2026-01-21T20:48:01.809" v="2132" actId="404"/>
+      <pc:sldChg chg="addSp modSp add mod modAnim">
+        <pc:chgData name="Renan Xavier Cortes" userId="d6af805853004405" providerId="LiveId" clId="{6CBA8CAD-390F-4A11-B907-BBB4B6E0B449}" dt="2026-01-21T21:00:44.298" v="2266"/>
         <pc:sldMkLst>
           <pc:docMk/>
           <pc:sldMk cId="4045846075" sldId="271"/>
@@ -846,7 +846,7 @@
         </pc:sldMkLst>
       </pc:sldChg>
       <pc:sldChg chg="addSp delSp modSp add mod modAnim">
-        <pc:chgData name="Renan Xavier Cortes" userId="d6af805853004405" providerId="LiveId" clId="{6CBA8CAD-390F-4A11-B907-BBB4B6E0B449}" dt="2026-01-21T18:42:43.859" v="1286"/>
+        <pc:chgData name="Renan Xavier Cortes" userId="d6af805853004405" providerId="LiveId" clId="{6CBA8CAD-390F-4A11-B907-BBB4B6E0B449}" dt="2026-01-21T20:59:49.591" v="2259" actId="1076"/>
         <pc:sldMkLst>
           <pc:docMk/>
           <pc:sldMk cId="2090754589" sldId="274"/>
@@ -865,6 +865,14 @@
             <pc:docMk/>
             <pc:sldMk cId="2090754589" sldId="274"/>
             <ac:spMk id="5" creationId="{958B68E6-C144-5060-CA7D-7C17FE22680B}"/>
+          </ac:spMkLst>
+        </pc:spChg>
+        <pc:spChg chg="mod">
+          <ac:chgData name="Renan Xavier Cortes" userId="d6af805853004405" providerId="LiveId" clId="{6CBA8CAD-390F-4A11-B907-BBB4B6E0B449}" dt="2026-01-21T20:59:49.591" v="2259" actId="1076"/>
+          <ac:spMkLst>
+            <pc:docMk/>
+            <pc:sldMk cId="2090754589" sldId="274"/>
+            <ac:spMk id="8" creationId="{39AE06C5-34BE-4D68-97C3-4C07702C2DF6}"/>
           </ac:spMkLst>
         </pc:spChg>
         <pc:picChg chg="add mod">
@@ -893,11 +901,19 @@
         </pc:picChg>
       </pc:sldChg>
       <pc:sldChg chg="delSp modSp add mod">
-        <pc:chgData name="Renan Xavier Cortes" userId="d6af805853004405" providerId="LiveId" clId="{6CBA8CAD-390F-4A11-B907-BBB4B6E0B449}" dt="2026-01-21T18:35:40.892" v="1253" actId="1076"/>
+        <pc:chgData name="Renan Xavier Cortes" userId="d6af805853004405" providerId="LiveId" clId="{6CBA8CAD-390F-4A11-B907-BBB4B6E0B449}" dt="2026-01-21T20:59:53.464" v="2260" actId="1076"/>
         <pc:sldMkLst>
           <pc:docMk/>
           <pc:sldMk cId="3791482239" sldId="275"/>
         </pc:sldMkLst>
+        <pc:spChg chg="mod">
+          <ac:chgData name="Renan Xavier Cortes" userId="d6af805853004405" providerId="LiveId" clId="{6CBA8CAD-390F-4A11-B907-BBB4B6E0B449}" dt="2026-01-21T20:59:53.464" v="2260" actId="1076"/>
+          <ac:spMkLst>
+            <pc:docMk/>
+            <pc:sldMk cId="3791482239" sldId="275"/>
+            <ac:spMk id="8" creationId="{39AE06C5-34BE-4D68-97C3-4C07702C2DF6}"/>
+          </ac:spMkLst>
+        </pc:spChg>
         <pc:picChg chg="del">
           <ac:chgData name="Renan Xavier Cortes" userId="d6af805853004405" providerId="LiveId" clId="{6CBA8CAD-390F-4A11-B907-BBB4B6E0B449}" dt="2026-01-21T18:35:37.826" v="1252" actId="478"/>
           <ac:picMkLst>
@@ -916,13 +932,13 @@
         </pc:picChg>
       </pc:sldChg>
       <pc:sldChg chg="addSp modSp add mod modAnim">
-        <pc:chgData name="Renan Xavier Cortes" userId="d6af805853004405" providerId="LiveId" clId="{6CBA8CAD-390F-4A11-B907-BBB4B6E0B449}" dt="2026-01-21T19:20:03.944" v="1876" actId="122"/>
+        <pc:chgData name="Renan Xavier Cortes" userId="d6af805853004405" providerId="LiveId" clId="{6CBA8CAD-390F-4A11-B907-BBB4B6E0B449}" dt="2026-01-21T20:58:56.682" v="2252" actId="1076"/>
         <pc:sldMkLst>
           <pc:docMk/>
           <pc:sldMk cId="3446963972" sldId="276"/>
         </pc:sldMkLst>
         <pc:spChg chg="mod">
-          <ac:chgData name="Renan Xavier Cortes" userId="d6af805853004405" providerId="LiveId" clId="{6CBA8CAD-390F-4A11-B907-BBB4B6E0B449}" dt="2026-01-21T19:16:47.903" v="1768" actId="20577"/>
+          <ac:chgData name="Renan Xavier Cortes" userId="d6af805853004405" providerId="LiveId" clId="{6CBA8CAD-390F-4A11-B907-BBB4B6E0B449}" dt="2026-01-21T20:58:53.820" v="2251" actId="1076"/>
           <ac:spMkLst>
             <pc:docMk/>
             <pc:sldMk cId="3446963972" sldId="276"/>
@@ -945,6 +961,14 @@
             <ac:spMk id="6" creationId="{B9CD3EB6-CF63-45D7-8877-1B8884B44136}"/>
           </ac:spMkLst>
         </pc:spChg>
+        <pc:spChg chg="mod">
+          <ac:chgData name="Renan Xavier Cortes" userId="d6af805853004405" providerId="LiveId" clId="{6CBA8CAD-390F-4A11-B907-BBB4B6E0B449}" dt="2026-01-21T20:58:56.682" v="2252" actId="1076"/>
+          <ac:spMkLst>
+            <pc:docMk/>
+            <pc:sldMk cId="3446963972" sldId="276"/>
+            <ac:spMk id="8" creationId="{39AE06C5-34BE-4D68-97C3-4C07702C2DF6}"/>
+          </ac:spMkLst>
+        </pc:spChg>
         <pc:spChg chg="add">
           <ac:chgData name="Renan Xavier Cortes" userId="d6af805853004405" providerId="LiveId" clId="{6CBA8CAD-390F-4A11-B907-BBB4B6E0B449}" dt="2026-01-21T18:48:07.452" v="1348"/>
           <ac:spMkLst>
@@ -963,13 +987,13 @@
         </pc:spChg>
       </pc:sldChg>
       <pc:sldChg chg="addSp delSp modSp add mod delAnim">
-        <pc:chgData name="Renan Xavier Cortes" userId="d6af805853004405" providerId="LiveId" clId="{6CBA8CAD-390F-4A11-B907-BBB4B6E0B449}" dt="2026-01-21T19:23:21.219" v="1925" actId="113"/>
+        <pc:chgData name="Renan Xavier Cortes" userId="d6af805853004405" providerId="LiveId" clId="{6CBA8CAD-390F-4A11-B907-BBB4B6E0B449}" dt="2026-01-21T20:59:04.449" v="2254" actId="1076"/>
         <pc:sldMkLst>
           <pc:docMk/>
           <pc:sldMk cId="3536810104" sldId="277"/>
         </pc:sldMkLst>
         <pc:spChg chg="mod">
-          <ac:chgData name="Renan Xavier Cortes" userId="d6af805853004405" providerId="LiveId" clId="{6CBA8CAD-390F-4A11-B907-BBB4B6E0B449}" dt="2026-01-21T19:23:21.219" v="1925" actId="113"/>
+          <ac:chgData name="Renan Xavier Cortes" userId="d6af805853004405" providerId="LiveId" clId="{6CBA8CAD-390F-4A11-B907-BBB4B6E0B449}" dt="2026-01-21T20:59:01.719" v="2253" actId="1076"/>
           <ac:spMkLst>
             <pc:docMk/>
             <pc:sldMk cId="3536810104" sldId="277"/>
@@ -984,6 +1008,14 @@
             <ac:spMk id="5" creationId="{F614520D-A0CA-F6FB-739F-3A18BD793D0D}"/>
           </ac:spMkLst>
         </pc:spChg>
+        <pc:spChg chg="mod">
+          <ac:chgData name="Renan Xavier Cortes" userId="d6af805853004405" providerId="LiveId" clId="{6CBA8CAD-390F-4A11-B907-BBB4B6E0B449}" dt="2026-01-21T20:59:04.449" v="2254" actId="1076"/>
+          <ac:spMkLst>
+            <pc:docMk/>
+            <pc:sldMk cId="3536810104" sldId="277"/>
+            <ac:spMk id="8" creationId="{39AE06C5-34BE-4D68-97C3-4C07702C2DF6}"/>
+          </ac:spMkLst>
+        </pc:spChg>
         <pc:spChg chg="del">
           <ac:chgData name="Renan Xavier Cortes" userId="d6af805853004405" providerId="LiveId" clId="{6CBA8CAD-390F-4A11-B907-BBB4B6E0B449}" dt="2026-01-21T19:21:22.622" v="1907" actId="478"/>
           <ac:spMkLst>
@@ -994,7 +1026,7 @@
         </pc:spChg>
       </pc:sldChg>
       <pc:sldChg chg="addSp delSp modSp add mod">
-        <pc:chgData name="Renan Xavier Cortes" userId="d6af805853004405" providerId="LiveId" clId="{6CBA8CAD-390F-4A11-B907-BBB4B6E0B449}" dt="2026-01-21T19:24:25.804" v="1936" actId="1076"/>
+        <pc:chgData name="Renan Xavier Cortes" userId="d6af805853004405" providerId="LiveId" clId="{6CBA8CAD-390F-4A11-B907-BBB4B6E0B449}" dt="2026-01-21T20:59:12.468" v="2255" actId="1076"/>
         <pc:sldMkLst>
           <pc:docMk/>
           <pc:sldMk cId="3805335353" sldId="278"/>
@@ -1005,6 +1037,14 @@
             <pc:docMk/>
             <pc:sldMk cId="3805335353" sldId="278"/>
             <ac:spMk id="4" creationId="{4B84190D-BF19-CEFE-E86D-F0B0EBBA7C0B}"/>
+          </ac:spMkLst>
+        </pc:spChg>
+        <pc:spChg chg="mod">
+          <ac:chgData name="Renan Xavier Cortes" userId="d6af805853004405" providerId="LiveId" clId="{6CBA8CAD-390F-4A11-B907-BBB4B6E0B449}" dt="2026-01-21T20:59:12.468" v="2255" actId="1076"/>
+          <ac:spMkLst>
+            <pc:docMk/>
+            <pc:sldMk cId="3805335353" sldId="278"/>
+            <ac:spMk id="8" creationId="{39AE06C5-34BE-4D68-97C3-4C07702C2DF6}"/>
           </ac:spMkLst>
         </pc:spChg>
         <pc:picChg chg="add del">
@@ -1039,8 +1079,8 @@
           <pc:sldMk cId="3848419073" sldId="279"/>
         </pc:sldMkLst>
       </pc:sldChg>
-      <pc:sldChg chg="addSp delSp modSp add mod">
-        <pc:chgData name="Renan Xavier Cortes" userId="d6af805853004405" providerId="LiveId" clId="{6CBA8CAD-390F-4A11-B907-BBB4B6E0B449}" dt="2026-01-21T20:10:30.304" v="2048" actId="1076"/>
+      <pc:sldChg chg="addSp delSp modSp add mod modAnim">
+        <pc:chgData name="Renan Xavier Cortes" userId="d6af805853004405" providerId="LiveId" clId="{6CBA8CAD-390F-4A11-B907-BBB4B6E0B449}" dt="2026-01-21T21:00:32.127" v="2262"/>
         <pc:sldMkLst>
           <pc:docMk/>
           <pc:sldMk cId="1732088967" sldId="280"/>
@@ -1062,8 +1102,8 @@
           </ac:picMkLst>
         </pc:picChg>
       </pc:sldChg>
-      <pc:sldChg chg="addSp delSp modSp add mod">
-        <pc:chgData name="Renan Xavier Cortes" userId="d6af805853004405" providerId="LiveId" clId="{6CBA8CAD-390F-4A11-B907-BBB4B6E0B449}" dt="2026-01-21T20:10:41.842" v="2053" actId="1076"/>
+      <pc:sldChg chg="addSp delSp modSp add mod modAnim">
+        <pc:chgData name="Renan Xavier Cortes" userId="d6af805853004405" providerId="LiveId" clId="{6CBA8CAD-390F-4A11-B907-BBB4B6E0B449}" dt="2026-01-21T21:00:35.081" v="2263"/>
         <pc:sldMkLst>
           <pc:docMk/>
           <pc:sldMk cId="1675466683" sldId="281"/>
@@ -1085,8 +1125,8 @@
           </ac:picMkLst>
         </pc:picChg>
       </pc:sldChg>
-      <pc:sldChg chg="addSp delSp modSp add mod">
-        <pc:chgData name="Renan Xavier Cortes" userId="d6af805853004405" providerId="LiveId" clId="{6CBA8CAD-390F-4A11-B907-BBB4B6E0B449}" dt="2026-01-21T20:10:49.139" v="2058" actId="1076"/>
+      <pc:sldChg chg="addSp delSp modSp add mod modAnim">
+        <pc:chgData name="Renan Xavier Cortes" userId="d6af805853004405" providerId="LiveId" clId="{6CBA8CAD-390F-4A11-B907-BBB4B6E0B449}" dt="2026-01-21T21:00:39.070" v="2264"/>
         <pc:sldMkLst>
           <pc:docMk/>
           <pc:sldMk cId="394495569" sldId="282"/>
@@ -1108,8 +1148,8 @@
           </ac:picMkLst>
         </pc:picChg>
       </pc:sldChg>
-      <pc:sldChg chg="addSp delSp modSp add mod">
-        <pc:chgData name="Renan Xavier Cortes" userId="d6af805853004405" providerId="LiveId" clId="{6CBA8CAD-390F-4A11-B907-BBB4B6E0B449}" dt="2026-01-21T20:14:23.924" v="2073" actId="1076"/>
+      <pc:sldChg chg="addSp delSp modSp add mod modAnim">
+        <pc:chgData name="Renan Xavier Cortes" userId="d6af805853004405" providerId="LiveId" clId="{6CBA8CAD-390F-4A11-B907-BBB4B6E0B449}" dt="2026-01-21T21:00:41.723" v="2265"/>
         <pc:sldMkLst>
           <pc:docMk/>
           <pc:sldMk cId="1551874195" sldId="283"/>
@@ -1139,8 +1179,8 @@
           </ac:picMkLst>
         </pc:picChg>
       </pc:sldChg>
-      <pc:sldChg chg="addSp delSp modSp add mod">
-        <pc:chgData name="Renan Xavier Cortes" userId="d6af805853004405" providerId="LiveId" clId="{6CBA8CAD-390F-4A11-B907-BBB4B6E0B449}" dt="2026-01-21T20:49:27.109" v="2171" actId="1076"/>
+      <pc:sldChg chg="addSp delSp modSp add mod modAnim">
+        <pc:chgData name="Renan Xavier Cortes" userId="d6af805853004405" providerId="LiveId" clId="{6CBA8CAD-390F-4A11-B907-BBB4B6E0B449}" dt="2026-01-21T21:00:47.027" v="2267"/>
         <pc:sldMkLst>
           <pc:docMk/>
           <pc:sldMk cId="3855288861" sldId="284"/>
@@ -1249,15 +1289,15 @@
           </ac:picMkLst>
         </pc:picChg>
       </pc:sldChg>
-      <pc:sldChg chg="add">
-        <pc:chgData name="Renan Xavier Cortes" userId="d6af805853004405" providerId="LiveId" clId="{6CBA8CAD-390F-4A11-B907-BBB4B6E0B449}" dt="2026-01-21T20:52:16.464" v="2196"/>
+      <pc:sldChg chg="add modAnim">
+        <pc:chgData name="Renan Xavier Cortes" userId="d6af805853004405" providerId="LiveId" clId="{6CBA8CAD-390F-4A11-B907-BBB4B6E0B449}" dt="2026-01-21T21:00:53.358" v="2269"/>
         <pc:sldMkLst>
           <pc:docMk/>
           <pc:sldMk cId="2773026186" sldId="286"/>
         </pc:sldMkLst>
       </pc:sldChg>
-      <pc:sldChg chg="addSp delSp modSp add mod">
-        <pc:chgData name="Renan Xavier Cortes" userId="d6af805853004405" providerId="LiveId" clId="{6CBA8CAD-390F-4A11-B907-BBB4B6E0B449}" dt="2026-01-21T20:54:01.600" v="2250" actId="1076"/>
+      <pc:sldChg chg="addSp delSp modSp add mod modAnim">
+        <pc:chgData name="Renan Xavier Cortes" userId="d6af805853004405" providerId="LiveId" clId="{6CBA8CAD-390F-4A11-B907-BBB4B6E0B449}" dt="2026-01-21T21:00:49.455" v="2268"/>
         <pc:sldMkLst>
           <pc:docMk/>
           <pc:sldMk cId="623748094" sldId="287"/>
@@ -7725,7 +7765,7 @@
         </p:nvSpPr>
         <p:spPr>
           <a:xfrm>
-            <a:off x="1103819" y="140678"/>
+            <a:off x="803536" y="119843"/>
             <a:ext cx="10888312" cy="584775"/>
           </a:xfrm>
           <a:prstGeom prst="rect">
@@ -7860,8 +7900,8 @@
         </p:nvSpPr>
         <p:spPr>
           <a:xfrm>
-            <a:off x="1103819" y="2353941"/>
-            <a:ext cx="10213755" cy="3397533"/>
+            <a:off x="803536" y="2252092"/>
+            <a:ext cx="10753401" cy="2843535"/>
           </a:xfrm>
           <a:prstGeom prst="rect">
             <a:avLst/>
@@ -8038,7 +8078,7 @@
         </p:nvSpPr>
         <p:spPr>
           <a:xfrm>
-            <a:off x="1103819" y="140678"/>
+            <a:off x="803536" y="162812"/>
             <a:ext cx="10888312" cy="584775"/>
           </a:xfrm>
           <a:prstGeom prst="rect">
@@ -8173,7 +8213,7 @@
         </p:nvSpPr>
         <p:spPr>
           <a:xfrm>
-            <a:off x="1103819" y="1215890"/>
+            <a:off x="651844" y="1710415"/>
             <a:ext cx="10888312" cy="3895938"/>
           </a:xfrm>
           <a:prstGeom prst="rect">
@@ -8611,7 +8651,7 @@
         </p:nvSpPr>
         <p:spPr>
           <a:xfrm>
-            <a:off x="1103819" y="140678"/>
+            <a:off x="804458" y="161686"/>
             <a:ext cx="10888312" cy="584775"/>
           </a:xfrm>
           <a:prstGeom prst="rect">
@@ -8746,7 +8786,7 @@
         </p:nvSpPr>
         <p:spPr>
           <a:xfrm>
-            <a:off x="803536" y="1366410"/>
+            <a:off x="651844" y="1552679"/>
             <a:ext cx="10888312" cy="4211409"/>
           </a:xfrm>
           <a:prstGeom prst="rect">
@@ -9011,7 +9051,7 @@
         </p:nvSpPr>
         <p:spPr>
           <a:xfrm>
-            <a:off x="1103819" y="140678"/>
+            <a:off x="803536" y="128228"/>
             <a:ext cx="10888312" cy="584775"/>
           </a:xfrm>
           <a:prstGeom prst="rect">
@@ -9257,7 +9297,7 @@
         </p:nvSpPr>
         <p:spPr>
           <a:xfrm>
-            <a:off x="1103819" y="140678"/>
+            <a:off x="803536" y="156513"/>
             <a:ext cx="10888312" cy="584775"/>
           </a:xfrm>
           <a:prstGeom prst="rect">
@@ -9913,7 +9953,7 @@
         </p:nvSpPr>
         <p:spPr>
           <a:xfrm>
-            <a:off x="1103819" y="140678"/>
+            <a:off x="803536" y="156513"/>
             <a:ext cx="10888312" cy="584775"/>
           </a:xfrm>
           <a:prstGeom prst="rect">
@@ -10837,84 +10877,6 @@
       </p:transition>
     </mc:Fallback>
   </mc:AlternateContent>
-  <p:timing>
-    <p:tnLst>
-      <p:par>
-        <p:cTn id="1" dur="indefinite" restart="never" nodeType="tmRoot">
-          <p:childTnLst>
-            <p:seq concurrent="1" nextAc="seek">
-              <p:cTn id="2" dur="indefinite" nodeType="mainSeq">
-                <p:childTnLst>
-                  <p:par>
-                    <p:cTn id="3" fill="hold">
-                      <p:stCondLst>
-                        <p:cond delay="indefinite"/>
-                      </p:stCondLst>
-                      <p:childTnLst>
-                        <p:par>
-                          <p:cTn id="4" fill="hold">
-                            <p:stCondLst>
-                              <p:cond delay="0"/>
-                            </p:stCondLst>
-                            <p:childTnLst>
-                              <p:par>
-                                <p:cTn id="5" presetID="1" presetClass="entr" presetSubtype="0" fill="hold" grpId="0" nodeType="clickEffect">
-                                  <p:stCondLst>
-                                    <p:cond delay="0"/>
-                                  </p:stCondLst>
-                                  <p:childTnLst>
-                                    <p:set>
-                                      <p:cBhvr>
-                                        <p:cTn id="6" dur="1" fill="hold">
-                                          <p:stCondLst>
-                                            <p:cond delay="0"/>
-                                          </p:stCondLst>
-                                        </p:cTn>
-                                        <p:tgtEl>
-                                          <p:spTgt spid="4"/>
-                                        </p:tgtEl>
-                                        <p:attrNameLst>
-                                          <p:attrName>style.visibility</p:attrName>
-                                        </p:attrNameLst>
-                                      </p:cBhvr>
-                                      <p:to>
-                                        <p:strVal val="visible"/>
-                                      </p:to>
-                                    </p:set>
-                                  </p:childTnLst>
-                                </p:cTn>
-                              </p:par>
-                            </p:childTnLst>
-                          </p:cTn>
-                        </p:par>
-                      </p:childTnLst>
-                    </p:cTn>
-                  </p:par>
-                </p:childTnLst>
-              </p:cTn>
-              <p:prevCondLst>
-                <p:cond evt="onPrev" delay="0">
-                  <p:tgtEl>
-                    <p:sldTgt/>
-                  </p:tgtEl>
-                </p:cond>
-              </p:prevCondLst>
-              <p:nextCondLst>
-                <p:cond evt="onNext" delay="0">
-                  <p:tgtEl>
-                    <p:sldTgt/>
-                  </p:tgtEl>
-                </p:cond>
-              </p:nextCondLst>
-            </p:seq>
-          </p:childTnLst>
-        </p:cTn>
-      </p:par>
-    </p:tnLst>
-    <p:bldLst>
-      <p:bldP spid="4" grpId="0"/>
-    </p:bldLst>
-  </p:timing>
 </p:sld>
 </file>
 
@@ -11258,84 +11220,6 @@
       </p:transition>
     </mc:Fallback>
   </mc:AlternateContent>
-  <p:timing>
-    <p:tnLst>
-      <p:par>
-        <p:cTn id="1" dur="indefinite" restart="never" nodeType="tmRoot">
-          <p:childTnLst>
-            <p:seq concurrent="1" nextAc="seek">
-              <p:cTn id="2" dur="indefinite" nodeType="mainSeq">
-                <p:childTnLst>
-                  <p:par>
-                    <p:cTn id="3" fill="hold">
-                      <p:stCondLst>
-                        <p:cond delay="indefinite"/>
-                      </p:stCondLst>
-                      <p:childTnLst>
-                        <p:par>
-                          <p:cTn id="4" fill="hold">
-                            <p:stCondLst>
-                              <p:cond delay="0"/>
-                            </p:stCondLst>
-                            <p:childTnLst>
-                              <p:par>
-                                <p:cTn id="5" presetID="1" presetClass="entr" presetSubtype="0" fill="hold" grpId="0" nodeType="clickEffect">
-                                  <p:stCondLst>
-                                    <p:cond delay="0"/>
-                                  </p:stCondLst>
-                                  <p:childTnLst>
-                                    <p:set>
-                                      <p:cBhvr>
-                                        <p:cTn id="6" dur="1" fill="hold">
-                                          <p:stCondLst>
-                                            <p:cond delay="0"/>
-                                          </p:stCondLst>
-                                        </p:cTn>
-                                        <p:tgtEl>
-                                          <p:spTgt spid="4"/>
-                                        </p:tgtEl>
-                                        <p:attrNameLst>
-                                          <p:attrName>style.visibility</p:attrName>
-                                        </p:attrNameLst>
-                                      </p:cBhvr>
-                                      <p:to>
-                                        <p:strVal val="visible"/>
-                                      </p:to>
-                                    </p:set>
-                                  </p:childTnLst>
-                                </p:cTn>
-                              </p:par>
-                            </p:childTnLst>
-                          </p:cTn>
-                        </p:par>
-                      </p:childTnLst>
-                    </p:cTn>
-                  </p:par>
-                </p:childTnLst>
-              </p:cTn>
-              <p:prevCondLst>
-                <p:cond evt="onPrev" delay="0">
-                  <p:tgtEl>
-                    <p:sldTgt/>
-                  </p:tgtEl>
-                </p:cond>
-              </p:prevCondLst>
-              <p:nextCondLst>
-                <p:cond evt="onNext" delay="0">
-                  <p:tgtEl>
-                    <p:sldTgt/>
-                  </p:tgtEl>
-                </p:cond>
-              </p:nextCondLst>
-            </p:seq>
-          </p:childTnLst>
-        </p:cTn>
-      </p:par>
-    </p:tnLst>
-    <p:bldLst>
-      <p:bldP spid="4" grpId="0"/>
-    </p:bldLst>
-  </p:timing>
 </p:sld>
 </file>
 
@@ -12084,84 +11968,6 @@
       </p:transition>
     </mc:Fallback>
   </mc:AlternateContent>
-  <p:timing>
-    <p:tnLst>
-      <p:par>
-        <p:cTn id="1" dur="indefinite" restart="never" nodeType="tmRoot">
-          <p:childTnLst>
-            <p:seq concurrent="1" nextAc="seek">
-              <p:cTn id="2" dur="indefinite" nodeType="mainSeq">
-                <p:childTnLst>
-                  <p:par>
-                    <p:cTn id="3" fill="hold">
-                      <p:stCondLst>
-                        <p:cond delay="indefinite"/>
-                      </p:stCondLst>
-                      <p:childTnLst>
-                        <p:par>
-                          <p:cTn id="4" fill="hold">
-                            <p:stCondLst>
-                              <p:cond delay="0"/>
-                            </p:stCondLst>
-                            <p:childTnLst>
-                              <p:par>
-                                <p:cTn id="5" presetID="1" presetClass="entr" presetSubtype="0" fill="hold" grpId="0" nodeType="clickEffect">
-                                  <p:stCondLst>
-                                    <p:cond delay="0"/>
-                                  </p:stCondLst>
-                                  <p:childTnLst>
-                                    <p:set>
-                                      <p:cBhvr>
-                                        <p:cTn id="6" dur="1" fill="hold">
-                                          <p:stCondLst>
-                                            <p:cond delay="0"/>
-                                          </p:stCondLst>
-                                        </p:cTn>
-                                        <p:tgtEl>
-                                          <p:spTgt spid="4"/>
-                                        </p:tgtEl>
-                                        <p:attrNameLst>
-                                          <p:attrName>style.visibility</p:attrName>
-                                        </p:attrNameLst>
-                                      </p:cBhvr>
-                                      <p:to>
-                                        <p:strVal val="visible"/>
-                                      </p:to>
-                                    </p:set>
-                                  </p:childTnLst>
-                                </p:cTn>
-                              </p:par>
-                            </p:childTnLst>
-                          </p:cTn>
-                        </p:par>
-                      </p:childTnLst>
-                    </p:cTn>
-                  </p:par>
-                </p:childTnLst>
-              </p:cTn>
-              <p:prevCondLst>
-                <p:cond evt="onPrev" delay="0">
-                  <p:tgtEl>
-                    <p:sldTgt/>
-                  </p:tgtEl>
-                </p:cond>
-              </p:prevCondLst>
-              <p:nextCondLst>
-                <p:cond evt="onNext" delay="0">
-                  <p:tgtEl>
-                    <p:sldTgt/>
-                  </p:tgtEl>
-                </p:cond>
-              </p:nextCondLst>
-            </p:seq>
-          </p:childTnLst>
-        </p:cTn>
-      </p:par>
-    </p:tnLst>
-    <p:bldLst>
-      <p:bldP spid="4" grpId="0"/>
-    </p:bldLst>
-  </p:timing>
 </p:sld>
 </file>
 
@@ -12505,84 +12311,6 @@
       </p:transition>
     </mc:Fallback>
   </mc:AlternateContent>
-  <p:timing>
-    <p:tnLst>
-      <p:par>
-        <p:cTn id="1" dur="indefinite" restart="never" nodeType="tmRoot">
-          <p:childTnLst>
-            <p:seq concurrent="1" nextAc="seek">
-              <p:cTn id="2" dur="indefinite" nodeType="mainSeq">
-                <p:childTnLst>
-                  <p:par>
-                    <p:cTn id="3" fill="hold">
-                      <p:stCondLst>
-                        <p:cond delay="indefinite"/>
-                      </p:stCondLst>
-                      <p:childTnLst>
-                        <p:par>
-                          <p:cTn id="4" fill="hold">
-                            <p:stCondLst>
-                              <p:cond delay="0"/>
-                            </p:stCondLst>
-                            <p:childTnLst>
-                              <p:par>
-                                <p:cTn id="5" presetID="1" presetClass="entr" presetSubtype="0" fill="hold" grpId="0" nodeType="clickEffect">
-                                  <p:stCondLst>
-                                    <p:cond delay="0"/>
-                                  </p:stCondLst>
-                                  <p:childTnLst>
-                                    <p:set>
-                                      <p:cBhvr>
-                                        <p:cTn id="6" dur="1" fill="hold">
-                                          <p:stCondLst>
-                                            <p:cond delay="0"/>
-                                          </p:stCondLst>
-                                        </p:cTn>
-                                        <p:tgtEl>
-                                          <p:spTgt spid="4"/>
-                                        </p:tgtEl>
-                                        <p:attrNameLst>
-                                          <p:attrName>style.visibility</p:attrName>
-                                        </p:attrNameLst>
-                                      </p:cBhvr>
-                                      <p:to>
-                                        <p:strVal val="visible"/>
-                                      </p:to>
-                                    </p:set>
-                                  </p:childTnLst>
-                                </p:cTn>
-                              </p:par>
-                            </p:childTnLst>
-                          </p:cTn>
-                        </p:par>
-                      </p:childTnLst>
-                    </p:cTn>
-                  </p:par>
-                </p:childTnLst>
-              </p:cTn>
-              <p:prevCondLst>
-                <p:cond evt="onPrev" delay="0">
-                  <p:tgtEl>
-                    <p:sldTgt/>
-                  </p:tgtEl>
-                </p:cond>
-              </p:prevCondLst>
-              <p:nextCondLst>
-                <p:cond evt="onNext" delay="0">
-                  <p:tgtEl>
-                    <p:sldTgt/>
-                  </p:tgtEl>
-                </p:cond>
-              </p:nextCondLst>
-            </p:seq>
-          </p:childTnLst>
-        </p:cTn>
-      </p:par>
-    </p:tnLst>
-    <p:bldLst>
-      <p:bldP spid="4" grpId="0"/>
-    </p:bldLst>
-  </p:timing>
 </p:sld>
 </file>
 
@@ -12926,84 +12654,6 @@
       </p:transition>
     </mc:Fallback>
   </mc:AlternateContent>
-  <p:timing>
-    <p:tnLst>
-      <p:par>
-        <p:cTn id="1" dur="indefinite" restart="never" nodeType="tmRoot">
-          <p:childTnLst>
-            <p:seq concurrent="1" nextAc="seek">
-              <p:cTn id="2" dur="indefinite" nodeType="mainSeq">
-                <p:childTnLst>
-                  <p:par>
-                    <p:cTn id="3" fill="hold">
-                      <p:stCondLst>
-                        <p:cond delay="indefinite"/>
-                      </p:stCondLst>
-                      <p:childTnLst>
-                        <p:par>
-                          <p:cTn id="4" fill="hold">
-                            <p:stCondLst>
-                              <p:cond delay="0"/>
-                            </p:stCondLst>
-                            <p:childTnLst>
-                              <p:par>
-                                <p:cTn id="5" presetID="1" presetClass="entr" presetSubtype="0" fill="hold" grpId="0" nodeType="clickEffect">
-                                  <p:stCondLst>
-                                    <p:cond delay="0"/>
-                                  </p:stCondLst>
-                                  <p:childTnLst>
-                                    <p:set>
-                                      <p:cBhvr>
-                                        <p:cTn id="6" dur="1" fill="hold">
-                                          <p:stCondLst>
-                                            <p:cond delay="0"/>
-                                          </p:stCondLst>
-                                        </p:cTn>
-                                        <p:tgtEl>
-                                          <p:spTgt spid="4"/>
-                                        </p:tgtEl>
-                                        <p:attrNameLst>
-                                          <p:attrName>style.visibility</p:attrName>
-                                        </p:attrNameLst>
-                                      </p:cBhvr>
-                                      <p:to>
-                                        <p:strVal val="visible"/>
-                                      </p:to>
-                                    </p:set>
-                                  </p:childTnLst>
-                                </p:cTn>
-                              </p:par>
-                            </p:childTnLst>
-                          </p:cTn>
-                        </p:par>
-                      </p:childTnLst>
-                    </p:cTn>
-                  </p:par>
-                </p:childTnLst>
-              </p:cTn>
-              <p:prevCondLst>
-                <p:cond evt="onPrev" delay="0">
-                  <p:tgtEl>
-                    <p:sldTgt/>
-                  </p:tgtEl>
-                </p:cond>
-              </p:prevCondLst>
-              <p:nextCondLst>
-                <p:cond evt="onNext" delay="0">
-                  <p:tgtEl>
-                    <p:sldTgt/>
-                  </p:tgtEl>
-                </p:cond>
-              </p:nextCondLst>
-            </p:seq>
-          </p:childTnLst>
-        </p:cTn>
-      </p:par>
-    </p:tnLst>
-    <p:bldLst>
-      <p:bldP spid="4" grpId="0"/>
-    </p:bldLst>
-  </p:timing>
 </p:sld>
 </file>
 
@@ -13316,84 +12966,6 @@
       </p:transition>
     </mc:Fallback>
   </mc:AlternateContent>
-  <p:timing>
-    <p:tnLst>
-      <p:par>
-        <p:cTn id="1" dur="indefinite" restart="never" nodeType="tmRoot">
-          <p:childTnLst>
-            <p:seq concurrent="1" nextAc="seek">
-              <p:cTn id="2" dur="indefinite" nodeType="mainSeq">
-                <p:childTnLst>
-                  <p:par>
-                    <p:cTn id="3" fill="hold">
-                      <p:stCondLst>
-                        <p:cond delay="indefinite"/>
-                      </p:stCondLst>
-                      <p:childTnLst>
-                        <p:par>
-                          <p:cTn id="4" fill="hold">
-                            <p:stCondLst>
-                              <p:cond delay="0"/>
-                            </p:stCondLst>
-                            <p:childTnLst>
-                              <p:par>
-                                <p:cTn id="5" presetID="1" presetClass="entr" presetSubtype="0" fill="hold" grpId="0" nodeType="clickEffect">
-                                  <p:stCondLst>
-                                    <p:cond delay="0"/>
-                                  </p:stCondLst>
-                                  <p:childTnLst>
-                                    <p:set>
-                                      <p:cBhvr>
-                                        <p:cTn id="6" dur="1" fill="hold">
-                                          <p:stCondLst>
-                                            <p:cond delay="0"/>
-                                          </p:stCondLst>
-                                        </p:cTn>
-                                        <p:tgtEl>
-                                          <p:spTgt spid="4"/>
-                                        </p:tgtEl>
-                                        <p:attrNameLst>
-                                          <p:attrName>style.visibility</p:attrName>
-                                        </p:attrNameLst>
-                                      </p:cBhvr>
-                                      <p:to>
-                                        <p:strVal val="visible"/>
-                                      </p:to>
-                                    </p:set>
-                                  </p:childTnLst>
-                                </p:cTn>
-                              </p:par>
-                            </p:childTnLst>
-                          </p:cTn>
-                        </p:par>
-                      </p:childTnLst>
-                    </p:cTn>
-                  </p:par>
-                </p:childTnLst>
-              </p:cTn>
-              <p:prevCondLst>
-                <p:cond evt="onPrev" delay="0">
-                  <p:tgtEl>
-                    <p:sldTgt/>
-                  </p:tgtEl>
-                </p:cond>
-              </p:prevCondLst>
-              <p:nextCondLst>
-                <p:cond evt="onNext" delay="0">
-                  <p:tgtEl>
-                    <p:sldTgt/>
-                  </p:tgtEl>
-                </p:cond>
-              </p:nextCondLst>
-            </p:seq>
-          </p:childTnLst>
-        </p:cTn>
-      </p:par>
-    </p:tnLst>
-    <p:bldLst>
-      <p:bldP spid="4" grpId="0"/>
-    </p:bldLst>
-  </p:timing>
 </p:sld>
 </file>
 
@@ -13818,84 +13390,6 @@
       </p:transition>
     </mc:Fallback>
   </mc:AlternateContent>
-  <p:timing>
-    <p:tnLst>
-      <p:par>
-        <p:cTn id="1" dur="indefinite" restart="never" nodeType="tmRoot">
-          <p:childTnLst>
-            <p:seq concurrent="1" nextAc="seek">
-              <p:cTn id="2" dur="indefinite" nodeType="mainSeq">
-                <p:childTnLst>
-                  <p:par>
-                    <p:cTn id="3" fill="hold">
-                      <p:stCondLst>
-                        <p:cond delay="indefinite"/>
-                      </p:stCondLst>
-                      <p:childTnLst>
-                        <p:par>
-                          <p:cTn id="4" fill="hold">
-                            <p:stCondLst>
-                              <p:cond delay="0"/>
-                            </p:stCondLst>
-                            <p:childTnLst>
-                              <p:par>
-                                <p:cTn id="5" presetID="1" presetClass="entr" presetSubtype="0" fill="hold" grpId="0" nodeType="clickEffect">
-                                  <p:stCondLst>
-                                    <p:cond delay="0"/>
-                                  </p:stCondLst>
-                                  <p:childTnLst>
-                                    <p:set>
-                                      <p:cBhvr>
-                                        <p:cTn id="6" dur="1" fill="hold">
-                                          <p:stCondLst>
-                                            <p:cond delay="0"/>
-                                          </p:stCondLst>
-                                        </p:cTn>
-                                        <p:tgtEl>
-                                          <p:spTgt spid="4"/>
-                                        </p:tgtEl>
-                                        <p:attrNameLst>
-                                          <p:attrName>style.visibility</p:attrName>
-                                        </p:attrNameLst>
-                                      </p:cBhvr>
-                                      <p:to>
-                                        <p:strVal val="visible"/>
-                                      </p:to>
-                                    </p:set>
-                                  </p:childTnLst>
-                                </p:cTn>
-                              </p:par>
-                            </p:childTnLst>
-                          </p:cTn>
-                        </p:par>
-                      </p:childTnLst>
-                    </p:cTn>
-                  </p:par>
-                </p:childTnLst>
-              </p:cTn>
-              <p:prevCondLst>
-                <p:cond evt="onPrev" delay="0">
-                  <p:tgtEl>
-                    <p:sldTgt/>
-                  </p:tgtEl>
-                </p:cond>
-              </p:prevCondLst>
-              <p:nextCondLst>
-                <p:cond evt="onNext" delay="0">
-                  <p:tgtEl>
-                    <p:sldTgt/>
-                  </p:tgtEl>
-                </p:cond>
-              </p:nextCondLst>
-            </p:seq>
-          </p:childTnLst>
-        </p:cTn>
-      </p:par>
-    </p:tnLst>
-    <p:bldLst>
-      <p:bldP spid="4" grpId="0"/>
-    </p:bldLst>
-  </p:timing>
 </p:sld>
 </file>
 
@@ -14256,84 +13750,6 @@
       </p:transition>
     </mc:Fallback>
   </mc:AlternateContent>
-  <p:timing>
-    <p:tnLst>
-      <p:par>
-        <p:cTn id="1" dur="indefinite" restart="never" nodeType="tmRoot">
-          <p:childTnLst>
-            <p:seq concurrent="1" nextAc="seek">
-              <p:cTn id="2" dur="indefinite" nodeType="mainSeq">
-                <p:childTnLst>
-                  <p:par>
-                    <p:cTn id="3" fill="hold">
-                      <p:stCondLst>
-                        <p:cond delay="indefinite"/>
-                      </p:stCondLst>
-                      <p:childTnLst>
-                        <p:par>
-                          <p:cTn id="4" fill="hold">
-                            <p:stCondLst>
-                              <p:cond delay="0"/>
-                            </p:stCondLst>
-                            <p:childTnLst>
-                              <p:par>
-                                <p:cTn id="5" presetID="1" presetClass="entr" presetSubtype="0" fill="hold" grpId="0" nodeType="clickEffect">
-                                  <p:stCondLst>
-                                    <p:cond delay="0"/>
-                                  </p:stCondLst>
-                                  <p:childTnLst>
-                                    <p:set>
-                                      <p:cBhvr>
-                                        <p:cTn id="6" dur="1" fill="hold">
-                                          <p:stCondLst>
-                                            <p:cond delay="0"/>
-                                          </p:stCondLst>
-                                        </p:cTn>
-                                        <p:tgtEl>
-                                          <p:spTgt spid="4"/>
-                                        </p:tgtEl>
-                                        <p:attrNameLst>
-                                          <p:attrName>style.visibility</p:attrName>
-                                        </p:attrNameLst>
-                                      </p:cBhvr>
-                                      <p:to>
-                                        <p:strVal val="visible"/>
-                                      </p:to>
-                                    </p:set>
-                                  </p:childTnLst>
-                                </p:cTn>
-                              </p:par>
-                            </p:childTnLst>
-                          </p:cTn>
-                        </p:par>
-                      </p:childTnLst>
-                    </p:cTn>
-                  </p:par>
-                </p:childTnLst>
-              </p:cTn>
-              <p:prevCondLst>
-                <p:cond evt="onPrev" delay="0">
-                  <p:tgtEl>
-                    <p:sldTgt/>
-                  </p:tgtEl>
-                </p:cond>
-              </p:prevCondLst>
-              <p:nextCondLst>
-                <p:cond evt="onNext" delay="0">
-                  <p:tgtEl>
-                    <p:sldTgt/>
-                  </p:tgtEl>
-                </p:cond>
-              </p:nextCondLst>
-            </p:seq>
-          </p:childTnLst>
-        </p:cTn>
-      </p:par>
-    </p:tnLst>
-    <p:bldLst>
-      <p:bldP spid="4" grpId="0"/>
-    </p:bldLst>
-  </p:timing>
 </p:sld>
 </file>
 
@@ -14650,84 +14066,6 @@
       </p:transition>
     </mc:Fallback>
   </mc:AlternateContent>
-  <p:timing>
-    <p:tnLst>
-      <p:par>
-        <p:cTn id="1" dur="indefinite" restart="never" nodeType="tmRoot">
-          <p:childTnLst>
-            <p:seq concurrent="1" nextAc="seek">
-              <p:cTn id="2" dur="indefinite" nodeType="mainSeq">
-                <p:childTnLst>
-                  <p:par>
-                    <p:cTn id="3" fill="hold">
-                      <p:stCondLst>
-                        <p:cond delay="indefinite"/>
-                      </p:stCondLst>
-                      <p:childTnLst>
-                        <p:par>
-                          <p:cTn id="4" fill="hold">
-                            <p:stCondLst>
-                              <p:cond delay="0"/>
-                            </p:stCondLst>
-                            <p:childTnLst>
-                              <p:par>
-                                <p:cTn id="5" presetID="1" presetClass="entr" presetSubtype="0" fill="hold" grpId="0" nodeType="clickEffect">
-                                  <p:stCondLst>
-                                    <p:cond delay="0"/>
-                                  </p:stCondLst>
-                                  <p:childTnLst>
-                                    <p:set>
-                                      <p:cBhvr>
-                                        <p:cTn id="6" dur="1" fill="hold">
-                                          <p:stCondLst>
-                                            <p:cond delay="0"/>
-                                          </p:stCondLst>
-                                        </p:cTn>
-                                        <p:tgtEl>
-                                          <p:spTgt spid="4"/>
-                                        </p:tgtEl>
-                                        <p:attrNameLst>
-                                          <p:attrName>style.visibility</p:attrName>
-                                        </p:attrNameLst>
-                                      </p:cBhvr>
-                                      <p:to>
-                                        <p:strVal val="visible"/>
-                                      </p:to>
-                                    </p:set>
-                                  </p:childTnLst>
-                                </p:cTn>
-                              </p:par>
-                            </p:childTnLst>
-                          </p:cTn>
-                        </p:par>
-                      </p:childTnLst>
-                    </p:cTn>
-                  </p:par>
-                </p:childTnLst>
-              </p:cTn>
-              <p:prevCondLst>
-                <p:cond evt="onPrev" delay="0">
-                  <p:tgtEl>
-                    <p:sldTgt/>
-                  </p:tgtEl>
-                </p:cond>
-              </p:prevCondLst>
-              <p:nextCondLst>
-                <p:cond evt="onNext" delay="0">
-                  <p:tgtEl>
-                    <p:sldTgt/>
-                  </p:tgtEl>
-                </p:cond>
-              </p:nextCondLst>
-            </p:seq>
-          </p:childTnLst>
-        </p:cTn>
-      </p:par>
-    </p:tnLst>
-    <p:bldLst>
-      <p:bldP spid="4" grpId="0"/>
-    </p:bldLst>
-  </p:timing>
 </p:sld>
 </file>
 

--- a/Metodos_Estatisticos/slides/semana_1_a_2.pptx
+++ b/Metodos_Estatisticos/slides/semana_1_a_2.pptx
@@ -5,7 +5,7 @@
     <p:sldMasterId id="2147483648" r:id="rId1"/>
   </p:sldMasterIdLst>
   <p:notesMasterIdLst>
-    <p:notesMasterId r:id="rId28"/>
+    <p:notesMasterId r:id="rId29"/>
   </p:notesMasterIdLst>
   <p:sldIdLst>
     <p:sldId id="256" r:id="rId2"/>
@@ -34,6 +34,7 @@
     <p:sldId id="284" r:id="rId25"/>
     <p:sldId id="287" r:id="rId26"/>
     <p:sldId id="286" r:id="rId27"/>
+    <p:sldId id="288" r:id="rId28"/>
   </p:sldIdLst>
   <p:sldSz cx="12192000" cy="6858000"/>
   <p:notesSz cx="6858000" cy="9144000"/>
@@ -142,6 +143,46 @@
 
 <file path=ppt/changesInfos/changesInfo1.xml><?xml version="1.0" encoding="utf-8"?>
 <pc:chgInfo xmlns:a="http://schemas.openxmlformats.org/drawingml/2006/main" xmlns:r="http://schemas.openxmlformats.org/officeDocument/2006/relationships" xmlns:ac="http://schemas.microsoft.com/office/drawing/2013/main/command" xmlns:pc="http://schemas.microsoft.com/office/powerpoint/2013/main/command">
+  <pc:docChgLst>
+    <pc:chgData name="Renan Xavier Cortes" userId="d6af805853004405" providerId="LiveId" clId="{212BA557-4780-4474-BA67-C155C1354E75}"/>
+    <pc:docChg chg="custSel addSld modSld">
+      <pc:chgData name="Renan Xavier Cortes" userId="d6af805853004405" providerId="LiveId" clId="{212BA557-4780-4474-BA67-C155C1354E75}" dt="2026-01-26T15:01:38.670" v="181" actId="1076"/>
+      <pc:docMkLst>
+        <pc:docMk/>
+      </pc:docMkLst>
+      <pc:sldChg chg="delSp modSp add mod">
+        <pc:chgData name="Renan Xavier Cortes" userId="d6af805853004405" providerId="LiveId" clId="{212BA557-4780-4474-BA67-C155C1354E75}" dt="2026-01-26T15:01:38.670" v="181" actId="1076"/>
+        <pc:sldMkLst>
+          <pc:docMk/>
+          <pc:sldMk cId="1515360493" sldId="288"/>
+        </pc:sldMkLst>
+        <pc:spChg chg="mod">
+          <ac:chgData name="Renan Xavier Cortes" userId="d6af805853004405" providerId="LiveId" clId="{212BA557-4780-4474-BA67-C155C1354E75}" dt="2026-01-26T15:01:38.670" v="181" actId="1076"/>
+          <ac:spMkLst>
+            <pc:docMk/>
+            <pc:sldMk cId="1515360493" sldId="288"/>
+            <ac:spMk id="4" creationId="{4B84190D-BF19-CEFE-E86D-F0B0EBBA7C0B}"/>
+          </ac:spMkLst>
+        </pc:spChg>
+        <pc:spChg chg="mod">
+          <ac:chgData name="Renan Xavier Cortes" userId="d6af805853004405" providerId="LiveId" clId="{212BA557-4780-4474-BA67-C155C1354E75}" dt="2026-01-22T13:30:12.805" v="25" actId="20577"/>
+          <ac:spMkLst>
+            <pc:docMk/>
+            <pc:sldMk cId="1515360493" sldId="288"/>
+            <ac:spMk id="8" creationId="{39AE06C5-34BE-4D68-97C3-4C07702C2DF6}"/>
+          </ac:spMkLst>
+        </pc:spChg>
+        <pc:picChg chg="del">
+          <ac:chgData name="Renan Xavier Cortes" userId="d6af805853004405" providerId="LiveId" clId="{212BA557-4780-4474-BA67-C155C1354E75}" dt="2026-01-22T13:30:15.241" v="26" actId="478"/>
+          <ac:picMkLst>
+            <pc:docMk/>
+            <pc:sldMk cId="1515360493" sldId="288"/>
+            <ac:picMk id="6" creationId="{96B5210F-1605-9FC7-8E4A-D66BA6A8C835}"/>
+          </ac:picMkLst>
+        </pc:picChg>
+      </pc:sldChg>
+    </pc:docChg>
+  </pc:docChgLst>
   <pc:docChgLst>
     <pc:chgData name="Renan Xavier Cortes" userId="d6af805853004405" providerId="LiveId" clId="{6CBA8CAD-390F-4A11-B907-BBB4B6E0B449}"/>
     <pc:docChg chg="undo custSel addSld delSld modSld">
@@ -1422,7 +1463,7 @@
           <a:p>
             <a:fld id="{9B3F8303-3E6A-4B9A-B114-90BC24763552}" type="datetimeFigureOut">
               <a:rPr lang="pt-BR" smtClean="0"/>
-              <a:t>21/01/2026</a:t>
+              <a:t>26/01/2026</a:t>
             </a:fld>
             <a:endParaRPr lang="pt-BR"/>
           </a:p>
@@ -3201,6 +3242,90 @@
 </p:notes>
 </file>
 
+<file path=ppt/notesSlides/notesSlide26.xml><?xml version="1.0" encoding="utf-8"?>
+<p:notes xmlns:a="http://schemas.openxmlformats.org/drawingml/2006/main" xmlns:r="http://schemas.openxmlformats.org/officeDocument/2006/relationships" xmlns:p="http://schemas.openxmlformats.org/presentationml/2006/main">
+  <p:cSld>
+    <p:spTree>
+      <p:nvGrpSpPr>
+        <p:cNvPr id="1" name=""/>
+        <p:cNvGrpSpPr/>
+        <p:nvPr/>
+      </p:nvGrpSpPr>
+      <p:grpSpPr>
+        <a:xfrm>
+          <a:off x="0" y="0"/>
+          <a:ext cx="0" cy="0"/>
+          <a:chOff x="0" y="0"/>
+          <a:chExt cx="0" cy="0"/>
+        </a:xfrm>
+      </p:grpSpPr>
+      <p:sp>
+        <p:nvSpPr>
+          <p:cNvPr id="2" name="Espaço Reservado para Imagem de Slide 1"/>
+          <p:cNvSpPr>
+            <a:spLocks noGrp="1" noRot="1" noChangeAspect="1"/>
+          </p:cNvSpPr>
+          <p:nvPr>
+            <p:ph type="sldImg"/>
+          </p:nvPr>
+        </p:nvSpPr>
+        <p:spPr/>
+      </p:sp>
+      <p:sp>
+        <p:nvSpPr>
+          <p:cNvPr id="3" name="Espaço Reservado para Anotações 2"/>
+          <p:cNvSpPr>
+            <a:spLocks noGrp="1"/>
+          </p:cNvSpPr>
+          <p:nvPr>
+            <p:ph type="body" idx="1"/>
+          </p:nvPr>
+        </p:nvSpPr>
+        <p:spPr/>
+        <p:txBody>
+          <a:bodyPr/>
+          <a:lstStyle/>
+          <a:p>
+            <a:endParaRPr lang="pt-BR" dirty="0"/>
+          </a:p>
+        </p:txBody>
+      </p:sp>
+      <p:sp>
+        <p:nvSpPr>
+          <p:cNvPr id="4" name="Espaço Reservado para Número de Slide 3"/>
+          <p:cNvSpPr>
+            <a:spLocks noGrp="1"/>
+          </p:cNvSpPr>
+          <p:nvPr>
+            <p:ph type="sldNum" sz="quarter" idx="5"/>
+          </p:nvPr>
+        </p:nvSpPr>
+        <p:spPr/>
+        <p:txBody>
+          <a:bodyPr/>
+          <a:lstStyle/>
+          <a:p>
+            <a:fld id="{87C88D93-34D3-419D-AEF5-A26FFAFED389}" type="slidenum">
+              <a:rPr lang="pt-BR" smtClean="0"/>
+              <a:t>27</a:t>
+            </a:fld>
+            <a:endParaRPr lang="pt-BR"/>
+          </a:p>
+        </p:txBody>
+      </p:sp>
+    </p:spTree>
+    <p:extLst>
+      <p:ext uri="{BB962C8B-B14F-4D97-AF65-F5344CB8AC3E}">
+        <p14:creationId xmlns:p14="http://schemas.microsoft.com/office/powerpoint/2010/main" val="38465505"/>
+      </p:ext>
+    </p:extLst>
+  </p:cSld>
+  <p:clrMapOvr>
+    <a:masterClrMapping/>
+  </p:clrMapOvr>
+</p:notes>
+</file>
+
 <file path=ppt/notesSlides/notesSlide3.xml><?xml version="1.0" encoding="utf-8"?>
 <p:notes xmlns:a="http://schemas.openxmlformats.org/drawingml/2006/main" xmlns:r="http://schemas.openxmlformats.org/officeDocument/2006/relationships" xmlns:p="http://schemas.openxmlformats.org/presentationml/2006/main">
   <p:cSld>
@@ -3936,7 +4061,7 @@
           <a:p>
             <a:fld id="{6D1CE400-4242-4B09-9036-D13CC6199FDE}" type="datetimeFigureOut">
               <a:rPr lang="pt-BR" smtClean="0"/>
-              <a:t>21/01/2026</a:t>
+              <a:t>26/01/2026</a:t>
             </a:fld>
             <a:endParaRPr lang="pt-BR"/>
           </a:p>
@@ -4134,7 +4259,7 @@
           <a:p>
             <a:fld id="{6D1CE400-4242-4B09-9036-D13CC6199FDE}" type="datetimeFigureOut">
               <a:rPr lang="pt-BR" smtClean="0"/>
-              <a:t>21/01/2026</a:t>
+              <a:t>26/01/2026</a:t>
             </a:fld>
             <a:endParaRPr lang="pt-BR"/>
           </a:p>
@@ -4342,7 +4467,7 @@
           <a:p>
             <a:fld id="{6D1CE400-4242-4B09-9036-D13CC6199FDE}" type="datetimeFigureOut">
               <a:rPr lang="pt-BR" smtClean="0"/>
-              <a:t>21/01/2026</a:t>
+              <a:t>26/01/2026</a:t>
             </a:fld>
             <a:endParaRPr lang="pt-BR"/>
           </a:p>
@@ -4540,7 +4665,7 @@
           <a:p>
             <a:fld id="{6D1CE400-4242-4B09-9036-D13CC6199FDE}" type="datetimeFigureOut">
               <a:rPr lang="pt-BR" smtClean="0"/>
-              <a:t>21/01/2026</a:t>
+              <a:t>26/01/2026</a:t>
             </a:fld>
             <a:endParaRPr lang="pt-BR"/>
           </a:p>
@@ -4815,7 +4940,7 @@
           <a:p>
             <a:fld id="{6D1CE400-4242-4B09-9036-D13CC6199FDE}" type="datetimeFigureOut">
               <a:rPr lang="pt-BR" smtClean="0"/>
-              <a:t>21/01/2026</a:t>
+              <a:t>26/01/2026</a:t>
             </a:fld>
             <a:endParaRPr lang="pt-BR"/>
           </a:p>
@@ -5080,7 +5205,7 @@
           <a:p>
             <a:fld id="{6D1CE400-4242-4B09-9036-D13CC6199FDE}" type="datetimeFigureOut">
               <a:rPr lang="pt-BR" smtClean="0"/>
-              <a:t>21/01/2026</a:t>
+              <a:t>26/01/2026</a:t>
             </a:fld>
             <a:endParaRPr lang="pt-BR"/>
           </a:p>
@@ -5492,7 +5617,7 @@
           <a:p>
             <a:fld id="{6D1CE400-4242-4B09-9036-D13CC6199FDE}" type="datetimeFigureOut">
               <a:rPr lang="pt-BR" smtClean="0"/>
-              <a:t>21/01/2026</a:t>
+              <a:t>26/01/2026</a:t>
             </a:fld>
             <a:endParaRPr lang="pt-BR"/>
           </a:p>
@@ -5633,7 +5758,7 @@
           <a:p>
             <a:fld id="{6D1CE400-4242-4B09-9036-D13CC6199FDE}" type="datetimeFigureOut">
               <a:rPr lang="pt-BR" smtClean="0"/>
-              <a:t>21/01/2026</a:t>
+              <a:t>26/01/2026</a:t>
             </a:fld>
             <a:endParaRPr lang="pt-BR"/>
           </a:p>
@@ -5746,7 +5871,7 @@
           <a:p>
             <a:fld id="{6D1CE400-4242-4B09-9036-D13CC6199FDE}" type="datetimeFigureOut">
               <a:rPr lang="pt-BR" smtClean="0"/>
-              <a:t>21/01/2026</a:t>
+              <a:t>26/01/2026</a:t>
             </a:fld>
             <a:endParaRPr lang="pt-BR"/>
           </a:p>
@@ -6057,7 +6182,7 @@
           <a:p>
             <a:fld id="{6D1CE400-4242-4B09-9036-D13CC6199FDE}" type="datetimeFigureOut">
               <a:rPr lang="pt-BR" smtClean="0"/>
-              <a:t>21/01/2026</a:t>
+              <a:t>26/01/2026</a:t>
             </a:fld>
             <a:endParaRPr lang="pt-BR"/>
           </a:p>
@@ -6345,7 +6470,7 @@
           <a:p>
             <a:fld id="{6D1CE400-4242-4B09-9036-D13CC6199FDE}" type="datetimeFigureOut">
               <a:rPr lang="pt-BR" smtClean="0"/>
-              <a:t>21/01/2026</a:t>
+              <a:t>26/01/2026</a:t>
             </a:fld>
             <a:endParaRPr lang="pt-BR"/>
           </a:p>
@@ -6589,7 +6714,7 @@
           <a:p>
             <a:fld id="{6D1CE400-4242-4B09-9036-D13CC6199FDE}" type="datetimeFigureOut">
               <a:rPr lang="pt-BR" smtClean="0"/>
-              <a:t>21/01/2026</a:t>
+              <a:t>26/01/2026</a:t>
             </a:fld>
             <a:endParaRPr lang="pt-BR"/>
           </a:p>
@@ -14048,6 +14173,280 @@
     <p:extLst>
       <p:ext uri="{BB962C8B-B14F-4D97-AF65-F5344CB8AC3E}">
         <p14:creationId xmlns:p14="http://schemas.microsoft.com/office/powerpoint/2010/main" val="2773026186"/>
+      </p:ext>
+    </p:extLst>
+  </p:cSld>
+  <p:clrMapOvr>
+    <a:masterClrMapping/>
+  </p:clrMapOvr>
+  <mc:AlternateContent xmlns:mc="http://schemas.openxmlformats.org/markup-compatibility/2006" xmlns:p159="http://schemas.microsoft.com/office/powerpoint/2015/09/main">
+    <mc:Choice Requires="p159">
+      <p:transition xmlns:p14="http://schemas.microsoft.com/office/powerpoint/2010/main" spd="slow" p14:dur="1250">
+        <p159:morph option="byObject"/>
+      </p:transition>
+    </mc:Choice>
+    <mc:Fallback xmlns="">
+      <p:transition spd="slow">
+        <p:fade/>
+      </p:transition>
+    </mc:Fallback>
+  </mc:AlternateContent>
+</p:sld>
+</file>
+
+<file path=ppt/slides/slide27.xml><?xml version="1.0" encoding="utf-8"?>
+<p:sld xmlns:a="http://schemas.openxmlformats.org/drawingml/2006/main" xmlns:r="http://schemas.openxmlformats.org/officeDocument/2006/relationships" xmlns:p="http://schemas.openxmlformats.org/presentationml/2006/main">
+  <p:cSld>
+    <p:spTree>
+      <p:nvGrpSpPr>
+        <p:cNvPr id="1" name=""/>
+        <p:cNvGrpSpPr/>
+        <p:nvPr/>
+      </p:nvGrpSpPr>
+      <p:grpSpPr>
+        <a:xfrm>
+          <a:off x="0" y="0"/>
+          <a:ext cx="0" cy="0"/>
+          <a:chOff x="0" y="0"/>
+          <a:chExt cx="0" cy="0"/>
+        </a:xfrm>
+      </p:grpSpPr>
+      <p:cxnSp>
+        <p:nvCxnSpPr>
+          <p:cNvPr id="7" name="Conector reto 6">
+            <a:extLst>
+              <a:ext uri="{FF2B5EF4-FFF2-40B4-BE49-F238E27FC236}">
+                <a16:creationId xmlns:a16="http://schemas.microsoft.com/office/drawing/2014/main" id="{280B8309-4572-4E27-8B6F-D29679313292}"/>
+              </a:ext>
+            </a:extLst>
+          </p:cNvPr>
+          <p:cNvCxnSpPr>
+            <a:cxnSpLocks/>
+          </p:cNvCxnSpPr>
+          <p:nvPr/>
+        </p:nvCxnSpPr>
+        <p:spPr>
+          <a:xfrm>
+            <a:off x="-112541" y="970671"/>
+            <a:ext cx="8328073" cy="0"/>
+          </a:xfrm>
+          <a:prstGeom prst="line">
+            <a:avLst/>
+          </a:prstGeom>
+          <a:ln w="38100"/>
+        </p:spPr>
+        <p:style>
+          <a:lnRef idx="1">
+            <a:schemeClr val="accent1"/>
+          </a:lnRef>
+          <a:fillRef idx="0">
+            <a:schemeClr val="accent1"/>
+          </a:fillRef>
+          <a:effectRef idx="0">
+            <a:schemeClr val="accent1"/>
+          </a:effectRef>
+          <a:fontRef idx="minor">
+            <a:schemeClr val="tx1"/>
+          </a:fontRef>
+        </p:style>
+      </p:cxnSp>
+      <p:sp>
+        <p:nvSpPr>
+          <p:cNvPr id="8" name="CaixaDeTexto 7">
+            <a:extLst>
+              <a:ext uri="{FF2B5EF4-FFF2-40B4-BE49-F238E27FC236}">
+                <a16:creationId xmlns:a16="http://schemas.microsoft.com/office/drawing/2014/main" id="{39AE06C5-34BE-4D68-97C3-4C07702C2DF6}"/>
+              </a:ext>
+            </a:extLst>
+          </p:cNvPr>
+          <p:cNvSpPr txBox="1"/>
+          <p:nvPr/>
+        </p:nvSpPr>
+        <p:spPr>
+          <a:xfrm>
+            <a:off x="1103819" y="140678"/>
+            <a:ext cx="10888312" cy="461665"/>
+          </a:xfrm>
+          <a:prstGeom prst="rect">
+            <a:avLst/>
+          </a:prstGeom>
+          <a:noFill/>
+        </p:spPr>
+        <p:txBody>
+          <a:bodyPr wrap="square" rtlCol="0">
+            <a:spAutoFit/>
+          </a:bodyPr>
+          <a:lstStyle/>
+          <a:p>
+            <a:r>
+              <a:rPr lang="pt-BR" sz="2400" b="1" dirty="0">
+                <a:solidFill>
+                  <a:srgbClr val="002060"/>
+                </a:solidFill>
+                <a:latin typeface="Cambria" panose="02040503050406030204" pitchFamily="18" charset="0"/>
+                <a:ea typeface="Cambria" panose="02040503050406030204" pitchFamily="18" charset="0"/>
+              </a:rPr>
+              <a:t>Representações Gráficas</a:t>
+            </a:r>
+          </a:p>
+        </p:txBody>
+      </p:sp>
+      <p:pic>
+        <p:nvPicPr>
+          <p:cNvPr id="2" name="Picture 2" descr="UFRGS na Serra | Visão de futuro e coragem para inovar">
+            <a:extLst>
+              <a:ext uri="{FF2B5EF4-FFF2-40B4-BE49-F238E27FC236}">
+                <a16:creationId xmlns:a16="http://schemas.microsoft.com/office/drawing/2014/main" id="{567C8E3D-C535-EC50-849C-270CEB4B8A04}"/>
+              </a:ext>
+            </a:extLst>
+          </p:cNvPr>
+          <p:cNvPicPr>
+            <a:picLocks noChangeAspect="1" noChangeArrowheads="1"/>
+          </p:cNvPicPr>
+          <p:nvPr/>
+        </p:nvPicPr>
+        <p:blipFill>
+          <a:blip r:embed="rId3">
+            <a:extLst>
+              <a:ext uri="{28A0092B-C50C-407E-A947-70E740481C1C}">
+                <a14:useLocalDpi xmlns:a14="http://schemas.microsoft.com/office/drawing/2010/main" val="0"/>
+              </a:ext>
+            </a:extLst>
+          </a:blip>
+          <a:srcRect/>
+          <a:stretch>
+            <a:fillRect/>
+          </a:stretch>
+        </p:blipFill>
+        <p:spPr bwMode="auto">
+          <a:xfrm>
+            <a:off x="119922" y="6346096"/>
+            <a:ext cx="683614" cy="445109"/>
+          </a:xfrm>
+          <a:prstGeom prst="rect">
+            <a:avLst/>
+          </a:prstGeom>
+          <a:noFill/>
+          <a:extLst>
+            <a:ext uri="{909E8E84-426E-40DD-AFC4-6F175D3DCCD1}">
+              <a14:hiddenFill xmlns:a14="http://schemas.microsoft.com/office/drawing/2010/main">
+                <a:solidFill>
+                  <a:srgbClr val="FFFFFF"/>
+                </a:solidFill>
+              </a14:hiddenFill>
+            </a:ext>
+          </a:extLst>
+        </p:spPr>
+      </p:pic>
+      <p:pic>
+        <p:nvPicPr>
+          <p:cNvPr id="3" name="Picture 4">
+            <a:extLst>
+              <a:ext uri="{FF2B5EF4-FFF2-40B4-BE49-F238E27FC236}">
+                <a16:creationId xmlns:a16="http://schemas.microsoft.com/office/drawing/2014/main" id="{C9663204-9A6C-C5D7-7C9B-AAF5653911D6}"/>
+              </a:ext>
+            </a:extLst>
+          </p:cNvPr>
+          <p:cNvPicPr>
+            <a:picLocks noChangeAspect="1" noChangeArrowheads="1"/>
+          </p:cNvPicPr>
+          <p:nvPr/>
+        </p:nvPicPr>
+        <p:blipFill>
+          <a:blip r:embed="rId4">
+            <a:extLst>
+              <a:ext uri="{28A0092B-C50C-407E-A947-70E740481C1C}">
+                <a14:useLocalDpi xmlns:a14="http://schemas.microsoft.com/office/drawing/2010/main" val="0"/>
+              </a:ext>
+            </a:extLst>
+          </a:blip>
+          <a:srcRect/>
+          <a:stretch>
+            <a:fillRect/>
+          </a:stretch>
+        </p:blipFill>
+        <p:spPr bwMode="auto">
+          <a:xfrm>
+            <a:off x="10802599" y="6212508"/>
+            <a:ext cx="1329440" cy="578697"/>
+          </a:xfrm>
+          <a:prstGeom prst="rect">
+            <a:avLst/>
+          </a:prstGeom>
+          <a:noFill/>
+          <a:extLst>
+            <a:ext uri="{909E8E84-426E-40DD-AFC4-6F175D3DCCD1}">
+              <a14:hiddenFill xmlns:a14="http://schemas.microsoft.com/office/drawing/2010/main">
+                <a:solidFill>
+                  <a:srgbClr val="FFFFFF"/>
+                </a:solidFill>
+              </a14:hiddenFill>
+            </a:ext>
+          </a:extLst>
+        </p:spPr>
+      </p:pic>
+      <p:sp>
+        <p:nvSpPr>
+          <p:cNvPr id="4" name="CaixaDeTexto 3">
+            <a:extLst>
+              <a:ext uri="{FF2B5EF4-FFF2-40B4-BE49-F238E27FC236}">
+                <a16:creationId xmlns:a16="http://schemas.microsoft.com/office/drawing/2014/main" id="{4B84190D-BF19-CEFE-E86D-F0B0EBBA7C0B}"/>
+              </a:ext>
+            </a:extLst>
+          </p:cNvPr>
+          <p:cNvSpPr txBox="1"/>
+          <p:nvPr/>
+        </p:nvSpPr>
+        <p:spPr>
+          <a:xfrm>
+            <a:off x="1103819" y="2580466"/>
+            <a:ext cx="10588509" cy="1697068"/>
+          </a:xfrm>
+          <a:prstGeom prst="rect">
+            <a:avLst/>
+          </a:prstGeom>
+          <a:noFill/>
+        </p:spPr>
+        <p:txBody>
+          <a:bodyPr wrap="square" rtlCol="0">
+            <a:spAutoFit/>
+          </a:bodyPr>
+          <a:lstStyle/>
+          <a:p>
+            <a:pPr marL="285750" indent="-285750">
+              <a:lnSpc>
+                <a:spcPct val="150000"/>
+              </a:lnSpc>
+              <a:spcAft>
+                <a:spcPts val="110"/>
+              </a:spcAft>
+              <a:buFont typeface="Wingdings" panose="05000000000000000000" pitchFamily="2" charset="2"/>
+              <a:buChar char="Ø"/>
+            </a:pPr>
+            <a:r>
+              <a:rPr lang="pt-BR" sz="2400" b="1" dirty="0"/>
+              <a:t>Para mais exemplos interessantes de representações gráficas recomenda-se acessar o material presente em </a:t>
+            </a:r>
+            <a:r>
+              <a:rPr lang="pt-BR" sz="2400" b="1" dirty="0">
+                <a:solidFill>
+                  <a:srgbClr val="0070C0"/>
+                </a:solidFill>
+              </a:rPr>
+              <a:t>https://www.ufrgs.br/probabilidade-estatistica/slides/slides_1/1-3_Representacoes%20graficas.pdf</a:t>
+            </a:r>
+            <a:endParaRPr lang="pt-BR" sz="1400" b="1" dirty="0">
+              <a:solidFill>
+                <a:srgbClr val="0070C0"/>
+              </a:solidFill>
+            </a:endParaRPr>
+          </a:p>
+        </p:txBody>
+      </p:sp>
+    </p:spTree>
+    <p:extLst>
+      <p:ext uri="{BB962C8B-B14F-4D97-AF65-F5344CB8AC3E}">
+        <p14:creationId xmlns:p14="http://schemas.microsoft.com/office/powerpoint/2010/main" val="1515360493"/>
       </p:ext>
     </p:extLst>
   </p:cSld>
